--- a/02_block-element/block-element.pptx
+++ b/02_block-element/block-element.pptx
@@ -267,7 +267,7 @@
           <a:p>
             <a:fld id="{7E6FC753-6D73-4C91-8964-5A03B3DDE2B6}" type="datetimeFigureOut">
               <a:rPr lang="ko-KR" altLang="en-US" smtClean="0"/>
-              <a:t>2022-07-01</a:t>
+              <a:t>2022-07-04</a:t>
             </a:fld>
             <a:endParaRPr lang="ko-KR" altLang="en-US"/>
           </a:p>
@@ -437,7 +437,7 @@
           <a:p>
             <a:fld id="{7E6FC753-6D73-4C91-8964-5A03B3DDE2B6}" type="datetimeFigureOut">
               <a:rPr lang="ko-KR" altLang="en-US" smtClean="0"/>
-              <a:t>2022-07-01</a:t>
+              <a:t>2022-07-04</a:t>
             </a:fld>
             <a:endParaRPr lang="ko-KR" altLang="en-US"/>
           </a:p>
@@ -617,7 +617,7 @@
           <a:p>
             <a:fld id="{7E6FC753-6D73-4C91-8964-5A03B3DDE2B6}" type="datetimeFigureOut">
               <a:rPr lang="ko-KR" altLang="en-US" smtClean="0"/>
-              <a:t>2022-07-01</a:t>
+              <a:t>2022-07-04</a:t>
             </a:fld>
             <a:endParaRPr lang="ko-KR" altLang="en-US"/>
           </a:p>
@@ -787,7 +787,7 @@
           <a:p>
             <a:fld id="{7E6FC753-6D73-4C91-8964-5A03B3DDE2B6}" type="datetimeFigureOut">
               <a:rPr lang="ko-KR" altLang="en-US" smtClean="0"/>
-              <a:t>2022-07-01</a:t>
+              <a:t>2022-07-04</a:t>
             </a:fld>
             <a:endParaRPr lang="ko-KR" altLang="en-US"/>
           </a:p>
@@ -1033,7 +1033,7 @@
           <a:p>
             <a:fld id="{7E6FC753-6D73-4C91-8964-5A03B3DDE2B6}" type="datetimeFigureOut">
               <a:rPr lang="ko-KR" altLang="en-US" smtClean="0"/>
-              <a:t>2022-07-01</a:t>
+              <a:t>2022-07-04</a:t>
             </a:fld>
             <a:endParaRPr lang="ko-KR" altLang="en-US"/>
           </a:p>
@@ -1265,7 +1265,7 @@
           <a:p>
             <a:fld id="{7E6FC753-6D73-4C91-8964-5A03B3DDE2B6}" type="datetimeFigureOut">
               <a:rPr lang="ko-KR" altLang="en-US" smtClean="0"/>
-              <a:t>2022-07-01</a:t>
+              <a:t>2022-07-04</a:t>
             </a:fld>
             <a:endParaRPr lang="ko-KR" altLang="en-US"/>
           </a:p>
@@ -1632,7 +1632,7 @@
           <a:p>
             <a:fld id="{7E6FC753-6D73-4C91-8964-5A03B3DDE2B6}" type="datetimeFigureOut">
               <a:rPr lang="ko-KR" altLang="en-US" smtClean="0"/>
-              <a:t>2022-07-01</a:t>
+              <a:t>2022-07-04</a:t>
             </a:fld>
             <a:endParaRPr lang="ko-KR" altLang="en-US"/>
           </a:p>
@@ -1750,7 +1750,7 @@
           <a:p>
             <a:fld id="{7E6FC753-6D73-4C91-8964-5A03B3DDE2B6}" type="datetimeFigureOut">
               <a:rPr lang="ko-KR" altLang="en-US" smtClean="0"/>
-              <a:t>2022-07-01</a:t>
+              <a:t>2022-07-04</a:t>
             </a:fld>
             <a:endParaRPr lang="ko-KR" altLang="en-US"/>
           </a:p>
@@ -1845,7 +1845,7 @@
           <a:p>
             <a:fld id="{7E6FC753-6D73-4C91-8964-5A03B3DDE2B6}" type="datetimeFigureOut">
               <a:rPr lang="ko-KR" altLang="en-US" smtClean="0"/>
-              <a:t>2022-07-01</a:t>
+              <a:t>2022-07-04</a:t>
             </a:fld>
             <a:endParaRPr lang="ko-KR" altLang="en-US"/>
           </a:p>
@@ -2122,7 +2122,7 @@
           <a:p>
             <a:fld id="{7E6FC753-6D73-4C91-8964-5A03B3DDE2B6}" type="datetimeFigureOut">
               <a:rPr lang="ko-KR" altLang="en-US" smtClean="0"/>
-              <a:t>2022-07-01</a:t>
+              <a:t>2022-07-04</a:t>
             </a:fld>
             <a:endParaRPr lang="ko-KR" altLang="en-US"/>
           </a:p>
@@ -2375,7 +2375,7 @@
           <a:p>
             <a:fld id="{7E6FC753-6D73-4C91-8964-5A03B3DDE2B6}" type="datetimeFigureOut">
               <a:rPr lang="ko-KR" altLang="en-US" smtClean="0"/>
-              <a:t>2022-07-01</a:t>
+              <a:t>2022-07-04</a:t>
             </a:fld>
             <a:endParaRPr lang="ko-KR" altLang="en-US"/>
           </a:p>
@@ -2588,7 +2588,7 @@
           <a:p>
             <a:fld id="{7E6FC753-6D73-4C91-8964-5A03B3DDE2B6}" type="datetimeFigureOut">
               <a:rPr lang="ko-KR" altLang="en-US" smtClean="0"/>
-              <a:t>2022-07-01</a:t>
+              <a:t>2022-07-04</a:t>
             </a:fld>
             <a:endParaRPr lang="ko-KR" altLang="en-US"/>
           </a:p>
@@ -8217,8 +8217,8 @@
         </p:nvSpPr>
         <p:spPr>
           <a:xfrm>
-            <a:off x="0" y="638176"/>
-            <a:ext cx="12192000" cy="5400674"/>
+            <a:off x="0" y="638175"/>
+            <a:ext cx="12192000" cy="5551887"/>
           </a:xfrm>
           <a:prstGeom prst="rect">
             <a:avLst/>
@@ -8301,8 +8301,8 @@
         </p:nvSpPr>
         <p:spPr>
           <a:xfrm>
-            <a:off x="0" y="6067424"/>
-            <a:ext cx="12192000" cy="763125"/>
+            <a:off x="0" y="6190089"/>
+            <a:ext cx="12192000" cy="640460"/>
           </a:xfrm>
           <a:prstGeom prst="rect">
             <a:avLst/>
@@ -8385,8 +8385,8 @@
         </p:nvSpPr>
         <p:spPr>
           <a:xfrm>
-            <a:off x="71568" y="638150"/>
-            <a:ext cx="12044232" cy="683235"/>
+            <a:off x="71568" y="678643"/>
+            <a:ext cx="12044232" cy="642742"/>
           </a:xfrm>
           <a:prstGeom prst="rect">
             <a:avLst/>
@@ -8435,7 +8435,7 @@
         </p:nvSpPr>
         <p:spPr>
           <a:xfrm>
-            <a:off x="842923" y="593950"/>
+            <a:off x="1624096" y="622326"/>
             <a:ext cx="1473480" cy="307777"/>
           </a:xfrm>
           <a:prstGeom prst="rect">
@@ -8531,6 +8531,644 @@
           </a:prstGeom>
           <a:noFill/>
           <a:ln w="28575">
+            <a:solidFill>
+              <a:srgbClr val="659CED"/>
+            </a:solidFill>
+          </a:ln>
+        </p:spPr>
+        <p:style>
+          <a:lnRef idx="2">
+            <a:schemeClr val="accent1">
+              <a:shade val="50000"/>
+            </a:schemeClr>
+          </a:lnRef>
+          <a:fillRef idx="1">
+            <a:schemeClr val="accent1"/>
+          </a:fillRef>
+          <a:effectRef idx="0">
+            <a:schemeClr val="accent1"/>
+          </a:effectRef>
+          <a:fontRef idx="minor">
+            <a:schemeClr val="lt1"/>
+          </a:fontRef>
+        </p:style>
+        <p:txBody>
+          <a:bodyPr rtlCol="0" anchor="ctr"/>
+          <a:lstStyle/>
+          <a:p>
+            <a:pPr algn="ctr"/>
+            <a:endParaRPr lang="ko-KR" altLang="en-US">
+              <a:solidFill>
+                <a:srgbClr val="BAE6FC"/>
+              </a:solidFill>
+            </a:endParaRPr>
+          </a:p>
+        </p:txBody>
+      </p:sp>
+      <p:sp>
+        <p:nvSpPr>
+          <p:cNvPr id="13" name="직사각형 12"/>
+          <p:cNvSpPr/>
+          <p:nvPr/>
+        </p:nvSpPr>
+        <p:spPr>
+          <a:xfrm>
+            <a:off x="71568" y="1361215"/>
+            <a:ext cx="12044232" cy="4773771"/>
+          </a:xfrm>
+          <a:prstGeom prst="rect">
+            <a:avLst/>
+          </a:prstGeom>
+          <a:noFill/>
+          <a:ln w="28575">
+            <a:solidFill>
+              <a:srgbClr val="FD4DB6"/>
+            </a:solidFill>
+          </a:ln>
+        </p:spPr>
+        <p:style>
+          <a:lnRef idx="2">
+            <a:schemeClr val="accent1">
+              <a:shade val="50000"/>
+            </a:schemeClr>
+          </a:lnRef>
+          <a:fillRef idx="1">
+            <a:schemeClr val="accent1"/>
+          </a:fillRef>
+          <a:effectRef idx="0">
+            <a:schemeClr val="accent1"/>
+          </a:effectRef>
+          <a:fontRef idx="minor">
+            <a:schemeClr val="lt1"/>
+          </a:fontRef>
+        </p:style>
+        <p:txBody>
+          <a:bodyPr rtlCol="0" anchor="ctr"/>
+          <a:lstStyle/>
+          <a:p>
+            <a:pPr algn="ctr"/>
+            <a:endParaRPr lang="ko-KR" altLang="en-US">
+              <a:solidFill>
+                <a:srgbClr val="BAE6FC"/>
+              </a:solidFill>
+            </a:endParaRPr>
+          </a:p>
+        </p:txBody>
+      </p:sp>
+      <p:sp>
+        <p:nvSpPr>
+          <p:cNvPr id="14" name="TextBox 13"/>
+          <p:cNvSpPr txBox="1"/>
+          <p:nvPr/>
+        </p:nvSpPr>
+        <p:spPr>
+          <a:xfrm>
+            <a:off x="0" y="1287579"/>
+            <a:ext cx="1316386" cy="307777"/>
+          </a:xfrm>
+          <a:prstGeom prst="rect">
+            <a:avLst/>
+          </a:prstGeom>
+          <a:noFill/>
+        </p:spPr>
+        <p:txBody>
+          <a:bodyPr wrap="none" rtlCol="0" anchor="ctr">
+            <a:spAutoFit/>
+          </a:bodyPr>
+          <a:lstStyle/>
+          <a:p>
+            <a:r>
+              <a:rPr lang="en-US" altLang="ko-KR" sz="1400" b="1" dirty="0" smtClean="0">
+                <a:solidFill>
+                  <a:srgbClr val="E7038B"/>
+                </a:solidFill>
+              </a:rPr>
+              <a:t>Section-body</a:t>
+            </a:r>
+            <a:endParaRPr lang="ko-KR" altLang="en-US" sz="1400" b="1" dirty="0">
+              <a:solidFill>
+                <a:srgbClr val="E7038B"/>
+              </a:solidFill>
+            </a:endParaRPr>
+          </a:p>
+        </p:txBody>
+      </p:sp>
+      <p:sp>
+        <p:nvSpPr>
+          <p:cNvPr id="15" name="직사각형 14"/>
+          <p:cNvSpPr/>
+          <p:nvPr/>
+        </p:nvSpPr>
+        <p:spPr>
+          <a:xfrm>
+            <a:off x="1188720" y="1622778"/>
+            <a:ext cx="9459884" cy="4469678"/>
+          </a:xfrm>
+          <a:prstGeom prst="rect">
+            <a:avLst/>
+          </a:prstGeom>
+          <a:noFill/>
+          <a:ln w="28575">
+            <a:solidFill>
+              <a:srgbClr val="FD4DB6"/>
+            </a:solidFill>
+          </a:ln>
+        </p:spPr>
+        <p:style>
+          <a:lnRef idx="2">
+            <a:schemeClr val="accent1">
+              <a:shade val="50000"/>
+            </a:schemeClr>
+          </a:lnRef>
+          <a:fillRef idx="1">
+            <a:schemeClr val="accent1"/>
+          </a:fillRef>
+          <a:effectRef idx="0">
+            <a:schemeClr val="accent1"/>
+          </a:effectRef>
+          <a:fontRef idx="minor">
+            <a:schemeClr val="lt1"/>
+          </a:fontRef>
+        </p:style>
+        <p:txBody>
+          <a:bodyPr rtlCol="0" anchor="ctr"/>
+          <a:lstStyle/>
+          <a:p>
+            <a:pPr algn="ctr"/>
+            <a:endParaRPr lang="ko-KR" altLang="en-US">
+              <a:solidFill>
+                <a:srgbClr val="BAE6FC"/>
+              </a:solidFill>
+            </a:endParaRPr>
+          </a:p>
+        </p:txBody>
+      </p:sp>
+      <p:sp>
+        <p:nvSpPr>
+          <p:cNvPr id="16" name="직사각형 15"/>
+          <p:cNvSpPr/>
+          <p:nvPr/>
+        </p:nvSpPr>
+        <p:spPr>
+          <a:xfrm>
+            <a:off x="1253612" y="1678639"/>
+            <a:ext cx="4564357" cy="4365970"/>
+          </a:xfrm>
+          <a:prstGeom prst="rect">
+            <a:avLst/>
+          </a:prstGeom>
+          <a:noFill/>
+          <a:ln w="28575">
+            <a:solidFill>
+              <a:srgbClr val="FD4DB6"/>
+            </a:solidFill>
+          </a:ln>
+        </p:spPr>
+        <p:style>
+          <a:lnRef idx="2">
+            <a:schemeClr val="accent1">
+              <a:shade val="50000"/>
+            </a:schemeClr>
+          </a:lnRef>
+          <a:fillRef idx="1">
+            <a:schemeClr val="accent1"/>
+          </a:fillRef>
+          <a:effectRef idx="0">
+            <a:schemeClr val="accent1"/>
+          </a:effectRef>
+          <a:fontRef idx="minor">
+            <a:schemeClr val="lt1"/>
+          </a:fontRef>
+        </p:style>
+        <p:txBody>
+          <a:bodyPr rtlCol="0" anchor="ctr"/>
+          <a:lstStyle/>
+          <a:p>
+            <a:pPr algn="ctr"/>
+            <a:endParaRPr lang="ko-KR" altLang="en-US">
+              <a:solidFill>
+                <a:srgbClr val="BAE6FC"/>
+              </a:solidFill>
+            </a:endParaRPr>
+          </a:p>
+        </p:txBody>
+      </p:sp>
+      <p:sp>
+        <p:nvSpPr>
+          <p:cNvPr id="17" name="직사각형 16"/>
+          <p:cNvSpPr/>
+          <p:nvPr/>
+        </p:nvSpPr>
+        <p:spPr>
+          <a:xfrm>
+            <a:off x="5877232" y="1678639"/>
+            <a:ext cx="4712109" cy="4365970"/>
+          </a:xfrm>
+          <a:prstGeom prst="rect">
+            <a:avLst/>
+          </a:prstGeom>
+          <a:noFill/>
+          <a:ln w="28575">
+            <a:solidFill>
+              <a:srgbClr val="FD4DB6"/>
+            </a:solidFill>
+          </a:ln>
+        </p:spPr>
+        <p:style>
+          <a:lnRef idx="2">
+            <a:schemeClr val="accent1">
+              <a:shade val="50000"/>
+            </a:schemeClr>
+          </a:lnRef>
+          <a:fillRef idx="1">
+            <a:schemeClr val="accent1"/>
+          </a:fillRef>
+          <a:effectRef idx="0">
+            <a:schemeClr val="accent1"/>
+          </a:effectRef>
+          <a:fontRef idx="minor">
+            <a:schemeClr val="lt1"/>
+          </a:fontRef>
+        </p:style>
+        <p:txBody>
+          <a:bodyPr rtlCol="0" anchor="ctr"/>
+          <a:lstStyle/>
+          <a:p>
+            <a:pPr algn="ctr"/>
+            <a:endParaRPr lang="ko-KR" altLang="en-US">
+              <a:solidFill>
+                <a:srgbClr val="BAE6FC"/>
+              </a:solidFill>
+            </a:endParaRPr>
+          </a:p>
+        </p:txBody>
+      </p:sp>
+      <p:sp>
+        <p:nvSpPr>
+          <p:cNvPr id="18" name="직사각형 17"/>
+          <p:cNvSpPr/>
+          <p:nvPr/>
+        </p:nvSpPr>
+        <p:spPr>
+          <a:xfrm>
+            <a:off x="1316386" y="1760561"/>
+            <a:ext cx="4436145" cy="3200400"/>
+          </a:xfrm>
+          <a:prstGeom prst="rect">
+            <a:avLst/>
+          </a:prstGeom>
+          <a:noFill/>
+          <a:ln w="19050">
+            <a:solidFill>
+              <a:srgbClr val="FD4DB6"/>
+            </a:solidFill>
+          </a:ln>
+        </p:spPr>
+        <p:style>
+          <a:lnRef idx="2">
+            <a:schemeClr val="accent1">
+              <a:shade val="50000"/>
+            </a:schemeClr>
+          </a:lnRef>
+          <a:fillRef idx="1">
+            <a:schemeClr val="accent1"/>
+          </a:fillRef>
+          <a:effectRef idx="0">
+            <a:schemeClr val="accent1"/>
+          </a:effectRef>
+          <a:fontRef idx="minor">
+            <a:schemeClr val="lt1"/>
+          </a:fontRef>
+        </p:style>
+        <p:txBody>
+          <a:bodyPr rtlCol="0" anchor="ctr"/>
+          <a:lstStyle/>
+          <a:p>
+            <a:pPr algn="ctr"/>
+            <a:endParaRPr lang="ko-KR" altLang="en-US">
+              <a:solidFill>
+                <a:srgbClr val="BAE6FC"/>
+              </a:solidFill>
+            </a:endParaRPr>
+          </a:p>
+        </p:txBody>
+      </p:sp>
+      <p:sp>
+        <p:nvSpPr>
+          <p:cNvPr id="19" name="직사각형 18"/>
+          <p:cNvSpPr/>
+          <p:nvPr/>
+        </p:nvSpPr>
+        <p:spPr>
+          <a:xfrm>
+            <a:off x="1316386" y="5000791"/>
+            <a:ext cx="4436145" cy="990576"/>
+          </a:xfrm>
+          <a:prstGeom prst="rect">
+            <a:avLst/>
+          </a:prstGeom>
+          <a:noFill/>
+          <a:ln w="19050">
+            <a:solidFill>
+              <a:srgbClr val="FD4DB6"/>
+            </a:solidFill>
+          </a:ln>
+        </p:spPr>
+        <p:style>
+          <a:lnRef idx="2">
+            <a:schemeClr val="accent1">
+              <a:shade val="50000"/>
+            </a:schemeClr>
+          </a:lnRef>
+          <a:fillRef idx="1">
+            <a:schemeClr val="accent1"/>
+          </a:fillRef>
+          <a:effectRef idx="0">
+            <a:schemeClr val="accent1"/>
+          </a:effectRef>
+          <a:fontRef idx="minor">
+            <a:schemeClr val="lt1"/>
+          </a:fontRef>
+        </p:style>
+        <p:txBody>
+          <a:bodyPr rtlCol="0" anchor="ctr"/>
+          <a:lstStyle/>
+          <a:p>
+            <a:pPr algn="ctr"/>
+            <a:endParaRPr lang="ko-KR" altLang="en-US">
+              <a:solidFill>
+                <a:srgbClr val="BAE6FC"/>
+              </a:solidFill>
+            </a:endParaRPr>
+          </a:p>
+        </p:txBody>
+      </p:sp>
+      <p:sp>
+        <p:nvSpPr>
+          <p:cNvPr id="20" name="직사각형 19"/>
+          <p:cNvSpPr/>
+          <p:nvPr/>
+        </p:nvSpPr>
+        <p:spPr>
+          <a:xfrm>
+            <a:off x="1371601" y="5656996"/>
+            <a:ext cx="4319516" cy="278181"/>
+          </a:xfrm>
+          <a:prstGeom prst="rect">
+            <a:avLst/>
+          </a:prstGeom>
+          <a:noFill/>
+          <a:ln w="19050">
+            <a:solidFill>
+              <a:srgbClr val="659CED"/>
+            </a:solidFill>
+          </a:ln>
+        </p:spPr>
+        <p:style>
+          <a:lnRef idx="2">
+            <a:schemeClr val="accent1">
+              <a:shade val="50000"/>
+            </a:schemeClr>
+          </a:lnRef>
+          <a:fillRef idx="1">
+            <a:schemeClr val="accent1"/>
+          </a:fillRef>
+          <a:effectRef idx="0">
+            <a:schemeClr val="accent1"/>
+          </a:effectRef>
+          <a:fontRef idx="minor">
+            <a:schemeClr val="lt1"/>
+          </a:fontRef>
+        </p:style>
+        <p:txBody>
+          <a:bodyPr rtlCol="0" anchor="ctr"/>
+          <a:lstStyle/>
+          <a:p>
+            <a:pPr algn="ctr"/>
+            <a:endParaRPr lang="ko-KR" altLang="en-US">
+              <a:solidFill>
+                <a:srgbClr val="BAE6FC"/>
+              </a:solidFill>
+            </a:endParaRPr>
+          </a:p>
+        </p:txBody>
+      </p:sp>
+      <p:sp>
+        <p:nvSpPr>
+          <p:cNvPr id="21" name="직사각형 20"/>
+          <p:cNvSpPr/>
+          <p:nvPr/>
+        </p:nvSpPr>
+        <p:spPr>
+          <a:xfrm>
+            <a:off x="1371601" y="5042883"/>
+            <a:ext cx="4319516" cy="552201"/>
+          </a:xfrm>
+          <a:prstGeom prst="rect">
+            <a:avLst/>
+          </a:prstGeom>
+          <a:noFill/>
+          <a:ln w="19050">
+            <a:solidFill>
+              <a:srgbClr val="659CED"/>
+            </a:solidFill>
+          </a:ln>
+        </p:spPr>
+        <p:style>
+          <a:lnRef idx="2">
+            <a:schemeClr val="accent1">
+              <a:shade val="50000"/>
+            </a:schemeClr>
+          </a:lnRef>
+          <a:fillRef idx="1">
+            <a:schemeClr val="accent1"/>
+          </a:fillRef>
+          <a:effectRef idx="0">
+            <a:schemeClr val="accent1"/>
+          </a:effectRef>
+          <a:fontRef idx="minor">
+            <a:schemeClr val="lt1"/>
+          </a:fontRef>
+        </p:style>
+        <p:txBody>
+          <a:bodyPr rtlCol="0" anchor="ctr"/>
+          <a:lstStyle/>
+          <a:p>
+            <a:pPr algn="ctr"/>
+            <a:endParaRPr lang="ko-KR" altLang="en-US">
+              <a:solidFill>
+                <a:srgbClr val="BAE6FC"/>
+              </a:solidFill>
+            </a:endParaRPr>
+          </a:p>
+        </p:txBody>
+      </p:sp>
+      <p:sp>
+        <p:nvSpPr>
+          <p:cNvPr id="22" name="직사각형 21"/>
+          <p:cNvSpPr/>
+          <p:nvPr/>
+        </p:nvSpPr>
+        <p:spPr>
+          <a:xfrm>
+            <a:off x="5944129" y="1760561"/>
+            <a:ext cx="4578295" cy="3200400"/>
+          </a:xfrm>
+          <a:prstGeom prst="rect">
+            <a:avLst/>
+          </a:prstGeom>
+          <a:noFill/>
+          <a:ln w="19050">
+            <a:solidFill>
+              <a:srgbClr val="FD4DB6"/>
+            </a:solidFill>
+          </a:ln>
+        </p:spPr>
+        <p:style>
+          <a:lnRef idx="2">
+            <a:schemeClr val="accent1">
+              <a:shade val="50000"/>
+            </a:schemeClr>
+          </a:lnRef>
+          <a:fillRef idx="1">
+            <a:schemeClr val="accent1"/>
+          </a:fillRef>
+          <a:effectRef idx="0">
+            <a:schemeClr val="accent1"/>
+          </a:effectRef>
+          <a:fontRef idx="minor">
+            <a:schemeClr val="lt1"/>
+          </a:fontRef>
+        </p:style>
+        <p:txBody>
+          <a:bodyPr rtlCol="0" anchor="ctr"/>
+          <a:lstStyle/>
+          <a:p>
+            <a:pPr algn="ctr"/>
+            <a:endParaRPr lang="ko-KR" altLang="en-US">
+              <a:solidFill>
+                <a:srgbClr val="BAE6FC"/>
+              </a:solidFill>
+            </a:endParaRPr>
+          </a:p>
+        </p:txBody>
+      </p:sp>
+      <p:sp>
+        <p:nvSpPr>
+          <p:cNvPr id="23" name="직사각형 22"/>
+          <p:cNvSpPr/>
+          <p:nvPr/>
+        </p:nvSpPr>
+        <p:spPr>
+          <a:xfrm>
+            <a:off x="5944129" y="5000791"/>
+            <a:ext cx="4578295" cy="990576"/>
+          </a:xfrm>
+          <a:prstGeom prst="rect">
+            <a:avLst/>
+          </a:prstGeom>
+          <a:noFill/>
+          <a:ln w="19050">
+            <a:solidFill>
+              <a:srgbClr val="FD4DB6"/>
+            </a:solidFill>
+          </a:ln>
+        </p:spPr>
+        <p:style>
+          <a:lnRef idx="2">
+            <a:schemeClr val="accent1">
+              <a:shade val="50000"/>
+            </a:schemeClr>
+          </a:lnRef>
+          <a:fillRef idx="1">
+            <a:schemeClr val="accent1"/>
+          </a:fillRef>
+          <a:effectRef idx="0">
+            <a:schemeClr val="accent1"/>
+          </a:effectRef>
+          <a:fontRef idx="minor">
+            <a:schemeClr val="lt1"/>
+          </a:fontRef>
+        </p:style>
+        <p:txBody>
+          <a:bodyPr rtlCol="0" anchor="ctr"/>
+          <a:lstStyle/>
+          <a:p>
+            <a:pPr algn="ctr"/>
+            <a:endParaRPr lang="ko-KR" altLang="en-US">
+              <a:solidFill>
+                <a:srgbClr val="BAE6FC"/>
+              </a:solidFill>
+            </a:endParaRPr>
+          </a:p>
+        </p:txBody>
+      </p:sp>
+      <p:sp>
+        <p:nvSpPr>
+          <p:cNvPr id="24" name="직사각형 23"/>
+          <p:cNvSpPr/>
+          <p:nvPr/>
+        </p:nvSpPr>
+        <p:spPr>
+          <a:xfrm>
+            <a:off x="5999343" y="5656996"/>
+            <a:ext cx="4457929" cy="278181"/>
+          </a:xfrm>
+          <a:prstGeom prst="rect">
+            <a:avLst/>
+          </a:prstGeom>
+          <a:noFill/>
+          <a:ln w="19050">
+            <a:solidFill>
+              <a:srgbClr val="659CED"/>
+            </a:solidFill>
+          </a:ln>
+        </p:spPr>
+        <p:style>
+          <a:lnRef idx="2">
+            <a:schemeClr val="accent1">
+              <a:shade val="50000"/>
+            </a:schemeClr>
+          </a:lnRef>
+          <a:fillRef idx="1">
+            <a:schemeClr val="accent1"/>
+          </a:fillRef>
+          <a:effectRef idx="0">
+            <a:schemeClr val="accent1"/>
+          </a:effectRef>
+          <a:fontRef idx="minor">
+            <a:schemeClr val="lt1"/>
+          </a:fontRef>
+        </p:style>
+        <p:txBody>
+          <a:bodyPr rtlCol="0" anchor="ctr"/>
+          <a:lstStyle/>
+          <a:p>
+            <a:pPr algn="ctr"/>
+            <a:endParaRPr lang="ko-KR" altLang="en-US">
+              <a:solidFill>
+                <a:srgbClr val="BAE6FC"/>
+              </a:solidFill>
+            </a:endParaRPr>
+          </a:p>
+        </p:txBody>
+      </p:sp>
+      <p:sp>
+        <p:nvSpPr>
+          <p:cNvPr id="25" name="직사각형 24"/>
+          <p:cNvSpPr/>
+          <p:nvPr/>
+        </p:nvSpPr>
+        <p:spPr>
+          <a:xfrm>
+            <a:off x="5999343" y="5042883"/>
+            <a:ext cx="4457929" cy="552201"/>
+          </a:xfrm>
+          <a:prstGeom prst="rect">
+            <a:avLst/>
+          </a:prstGeom>
+          <a:noFill/>
+          <a:ln w="19050">
             <a:solidFill>
               <a:srgbClr val="659CED"/>
             </a:solidFill>
@@ -8632,6 +9270,964 @@
           </a:prstGeom>
         </p:spPr>
       </p:pic>
+      <p:sp>
+        <p:nvSpPr>
+          <p:cNvPr id="3" name="직사각형 2"/>
+          <p:cNvSpPr/>
+          <p:nvPr/>
+        </p:nvSpPr>
+        <p:spPr>
+          <a:xfrm>
+            <a:off x="0" y="2638698"/>
+            <a:ext cx="12192000" cy="1907176"/>
+          </a:xfrm>
+          <a:prstGeom prst="rect">
+            <a:avLst/>
+          </a:prstGeom>
+          <a:noFill/>
+          <a:ln w="38100">
+            <a:solidFill>
+              <a:srgbClr val="FEA0D8"/>
+            </a:solidFill>
+          </a:ln>
+        </p:spPr>
+        <p:style>
+          <a:lnRef idx="2">
+            <a:schemeClr val="accent1">
+              <a:shade val="50000"/>
+            </a:schemeClr>
+          </a:lnRef>
+          <a:fillRef idx="1">
+            <a:schemeClr val="accent1"/>
+          </a:fillRef>
+          <a:effectRef idx="0">
+            <a:schemeClr val="accent1"/>
+          </a:effectRef>
+          <a:fontRef idx="minor">
+            <a:schemeClr val="lt1"/>
+          </a:fontRef>
+        </p:style>
+        <p:txBody>
+          <a:bodyPr rtlCol="0" anchor="ctr"/>
+          <a:lstStyle/>
+          <a:p>
+            <a:pPr algn="ctr"/>
+            <a:endParaRPr lang="ko-KR" altLang="en-US"/>
+          </a:p>
+        </p:txBody>
+      </p:sp>
+      <p:sp>
+        <p:nvSpPr>
+          <p:cNvPr id="4" name="TextBox 3"/>
+          <p:cNvSpPr txBox="1"/>
+          <p:nvPr/>
+        </p:nvSpPr>
+        <p:spPr>
+          <a:xfrm>
+            <a:off x="4972594" y="2269366"/>
+            <a:ext cx="861711" cy="369332"/>
+          </a:xfrm>
+          <a:prstGeom prst="rect">
+            <a:avLst/>
+          </a:prstGeom>
+          <a:noFill/>
+        </p:spPr>
+        <p:txBody>
+          <a:bodyPr wrap="none" rtlCol="0" anchor="ctr">
+            <a:spAutoFit/>
+          </a:bodyPr>
+          <a:lstStyle/>
+          <a:p>
+            <a:r>
+              <a:rPr lang="en-US" altLang="ko-KR" b="1" dirty="0" smtClean="0">
+                <a:solidFill>
+                  <a:srgbClr val="FEA0D8"/>
+                </a:solidFill>
+              </a:rPr>
+              <a:t>footer</a:t>
+            </a:r>
+            <a:endParaRPr lang="ko-KR" altLang="en-US" b="1" dirty="0">
+              <a:solidFill>
+                <a:srgbClr val="FEA0D8"/>
+              </a:solidFill>
+            </a:endParaRPr>
+          </a:p>
+        </p:txBody>
+      </p:sp>
+      <p:sp>
+        <p:nvSpPr>
+          <p:cNvPr id="5" name="직사각형 4"/>
+          <p:cNvSpPr/>
+          <p:nvPr/>
+        </p:nvSpPr>
+        <p:spPr>
+          <a:xfrm>
+            <a:off x="78376" y="2705081"/>
+            <a:ext cx="12035247" cy="687976"/>
+          </a:xfrm>
+          <a:prstGeom prst="rect">
+            <a:avLst/>
+          </a:prstGeom>
+          <a:noFill/>
+          <a:ln w="38100">
+            <a:solidFill>
+              <a:srgbClr val="E7038B"/>
+            </a:solidFill>
+          </a:ln>
+        </p:spPr>
+        <p:style>
+          <a:lnRef idx="2">
+            <a:schemeClr val="accent1">
+              <a:shade val="50000"/>
+            </a:schemeClr>
+          </a:lnRef>
+          <a:fillRef idx="1">
+            <a:schemeClr val="accent1"/>
+          </a:fillRef>
+          <a:effectRef idx="0">
+            <a:schemeClr val="accent1"/>
+          </a:effectRef>
+          <a:fontRef idx="minor">
+            <a:schemeClr val="lt1"/>
+          </a:fontRef>
+        </p:style>
+        <p:txBody>
+          <a:bodyPr rtlCol="0" anchor="ctr"/>
+          <a:lstStyle/>
+          <a:p>
+            <a:pPr algn="ctr"/>
+            <a:endParaRPr lang="ko-KR" altLang="en-US"/>
+          </a:p>
+        </p:txBody>
+      </p:sp>
+      <p:sp>
+        <p:nvSpPr>
+          <p:cNvPr id="6" name="직사각형 5"/>
+          <p:cNvSpPr/>
+          <p:nvPr/>
+        </p:nvSpPr>
+        <p:spPr>
+          <a:xfrm>
+            <a:off x="78376" y="3393057"/>
+            <a:ext cx="12035247" cy="1033395"/>
+          </a:xfrm>
+          <a:prstGeom prst="rect">
+            <a:avLst/>
+          </a:prstGeom>
+          <a:noFill/>
+          <a:ln w="38100">
+            <a:solidFill>
+              <a:srgbClr val="E7038B"/>
+            </a:solidFill>
+          </a:ln>
+        </p:spPr>
+        <p:style>
+          <a:lnRef idx="2">
+            <a:schemeClr val="accent1">
+              <a:shade val="50000"/>
+            </a:schemeClr>
+          </a:lnRef>
+          <a:fillRef idx="1">
+            <a:schemeClr val="accent1"/>
+          </a:fillRef>
+          <a:effectRef idx="0">
+            <a:schemeClr val="accent1"/>
+          </a:effectRef>
+          <a:fontRef idx="minor">
+            <a:schemeClr val="lt1"/>
+          </a:fontRef>
+        </p:style>
+        <p:txBody>
+          <a:bodyPr rtlCol="0" anchor="ctr"/>
+          <a:lstStyle/>
+          <a:p>
+            <a:pPr algn="ctr"/>
+            <a:endParaRPr lang="ko-KR" altLang="en-US"/>
+          </a:p>
+        </p:txBody>
+      </p:sp>
+      <p:sp>
+        <p:nvSpPr>
+          <p:cNvPr id="7" name="직사각형 6"/>
+          <p:cNvSpPr/>
+          <p:nvPr/>
+        </p:nvSpPr>
+        <p:spPr>
+          <a:xfrm>
+            <a:off x="4432663" y="2753832"/>
+            <a:ext cx="3169616" cy="600739"/>
+          </a:xfrm>
+          <a:prstGeom prst="rect">
+            <a:avLst/>
+          </a:prstGeom>
+          <a:noFill/>
+          <a:ln w="19050">
+            <a:solidFill>
+              <a:srgbClr val="E7038B"/>
+            </a:solidFill>
+          </a:ln>
+        </p:spPr>
+        <p:style>
+          <a:lnRef idx="2">
+            <a:schemeClr val="accent1">
+              <a:shade val="50000"/>
+            </a:schemeClr>
+          </a:lnRef>
+          <a:fillRef idx="1">
+            <a:schemeClr val="accent1"/>
+          </a:fillRef>
+          <a:effectRef idx="0">
+            <a:schemeClr val="accent1"/>
+          </a:effectRef>
+          <a:fontRef idx="minor">
+            <a:schemeClr val="lt1"/>
+          </a:fontRef>
+        </p:style>
+        <p:txBody>
+          <a:bodyPr rtlCol="0" anchor="ctr"/>
+          <a:lstStyle/>
+          <a:p>
+            <a:pPr algn="ctr"/>
+            <a:endParaRPr lang="ko-KR" altLang="en-US"/>
+          </a:p>
+        </p:txBody>
+      </p:sp>
+      <p:sp>
+        <p:nvSpPr>
+          <p:cNvPr id="8" name="직사각형 7"/>
+          <p:cNvSpPr/>
+          <p:nvPr/>
+        </p:nvSpPr>
+        <p:spPr>
+          <a:xfrm>
+            <a:off x="4471852" y="2792318"/>
+            <a:ext cx="812530" cy="534356"/>
+          </a:xfrm>
+          <a:prstGeom prst="rect">
+            <a:avLst/>
+          </a:prstGeom>
+          <a:noFill/>
+          <a:ln w="19050">
+            <a:solidFill>
+              <a:srgbClr val="659CED"/>
+            </a:solidFill>
+          </a:ln>
+        </p:spPr>
+        <p:style>
+          <a:lnRef idx="2">
+            <a:schemeClr val="accent1">
+              <a:shade val="50000"/>
+            </a:schemeClr>
+          </a:lnRef>
+          <a:fillRef idx="1">
+            <a:schemeClr val="accent1"/>
+          </a:fillRef>
+          <a:effectRef idx="0">
+            <a:schemeClr val="accent1"/>
+          </a:effectRef>
+          <a:fontRef idx="minor">
+            <a:schemeClr val="lt1"/>
+          </a:fontRef>
+        </p:style>
+        <p:txBody>
+          <a:bodyPr rtlCol="0" anchor="ctr"/>
+          <a:lstStyle/>
+          <a:p>
+            <a:pPr algn="ctr"/>
+            <a:endParaRPr lang="ko-KR" altLang="en-US"/>
+          </a:p>
+        </p:txBody>
+      </p:sp>
+      <p:sp>
+        <p:nvSpPr>
+          <p:cNvPr id="9" name="직사각형 8"/>
+          <p:cNvSpPr/>
+          <p:nvPr/>
+        </p:nvSpPr>
+        <p:spPr>
+          <a:xfrm>
+            <a:off x="5284382" y="2792318"/>
+            <a:ext cx="812530" cy="534356"/>
+          </a:xfrm>
+          <a:prstGeom prst="rect">
+            <a:avLst/>
+          </a:prstGeom>
+          <a:noFill/>
+          <a:ln w="19050">
+            <a:solidFill>
+              <a:srgbClr val="659CED"/>
+            </a:solidFill>
+          </a:ln>
+        </p:spPr>
+        <p:style>
+          <a:lnRef idx="2">
+            <a:schemeClr val="accent1">
+              <a:shade val="50000"/>
+            </a:schemeClr>
+          </a:lnRef>
+          <a:fillRef idx="1">
+            <a:schemeClr val="accent1"/>
+          </a:fillRef>
+          <a:effectRef idx="0">
+            <a:schemeClr val="accent1"/>
+          </a:effectRef>
+          <a:fontRef idx="minor">
+            <a:schemeClr val="lt1"/>
+          </a:fontRef>
+        </p:style>
+        <p:txBody>
+          <a:bodyPr rtlCol="0" anchor="ctr"/>
+          <a:lstStyle/>
+          <a:p>
+            <a:pPr algn="ctr"/>
+            <a:endParaRPr lang="ko-KR" altLang="en-US"/>
+          </a:p>
+        </p:txBody>
+      </p:sp>
+      <p:sp>
+        <p:nvSpPr>
+          <p:cNvPr id="10" name="직사각형 9"/>
+          <p:cNvSpPr/>
+          <p:nvPr/>
+        </p:nvSpPr>
+        <p:spPr>
+          <a:xfrm>
+            <a:off x="6096912" y="2792318"/>
+            <a:ext cx="734153" cy="534356"/>
+          </a:xfrm>
+          <a:prstGeom prst="rect">
+            <a:avLst/>
+          </a:prstGeom>
+          <a:noFill/>
+          <a:ln w="19050">
+            <a:solidFill>
+              <a:srgbClr val="659CED"/>
+            </a:solidFill>
+          </a:ln>
+        </p:spPr>
+        <p:style>
+          <a:lnRef idx="2">
+            <a:schemeClr val="accent1">
+              <a:shade val="50000"/>
+            </a:schemeClr>
+          </a:lnRef>
+          <a:fillRef idx="1">
+            <a:schemeClr val="accent1"/>
+          </a:fillRef>
+          <a:effectRef idx="0">
+            <a:schemeClr val="accent1"/>
+          </a:effectRef>
+          <a:fontRef idx="minor">
+            <a:schemeClr val="lt1"/>
+          </a:fontRef>
+        </p:style>
+        <p:txBody>
+          <a:bodyPr rtlCol="0" anchor="ctr"/>
+          <a:lstStyle/>
+          <a:p>
+            <a:pPr algn="ctr"/>
+            <a:endParaRPr lang="ko-KR" altLang="en-US"/>
+          </a:p>
+        </p:txBody>
+      </p:sp>
+      <p:sp>
+        <p:nvSpPr>
+          <p:cNvPr id="11" name="직사각형 10"/>
+          <p:cNvSpPr/>
+          <p:nvPr/>
+        </p:nvSpPr>
+        <p:spPr>
+          <a:xfrm>
+            <a:off x="6831065" y="2792318"/>
+            <a:ext cx="693141" cy="534356"/>
+          </a:xfrm>
+          <a:prstGeom prst="rect">
+            <a:avLst/>
+          </a:prstGeom>
+          <a:noFill/>
+          <a:ln w="19050">
+            <a:solidFill>
+              <a:srgbClr val="659CED"/>
+            </a:solidFill>
+          </a:ln>
+        </p:spPr>
+        <p:style>
+          <a:lnRef idx="2">
+            <a:schemeClr val="accent1">
+              <a:shade val="50000"/>
+            </a:schemeClr>
+          </a:lnRef>
+          <a:fillRef idx="1">
+            <a:schemeClr val="accent1"/>
+          </a:fillRef>
+          <a:effectRef idx="0">
+            <a:schemeClr val="accent1"/>
+          </a:effectRef>
+          <a:fontRef idx="minor">
+            <a:schemeClr val="lt1"/>
+          </a:fontRef>
+        </p:style>
+        <p:txBody>
+          <a:bodyPr rtlCol="0" anchor="ctr"/>
+          <a:lstStyle/>
+          <a:p>
+            <a:pPr algn="ctr"/>
+            <a:endParaRPr lang="ko-KR" altLang="en-US"/>
+          </a:p>
+        </p:txBody>
+      </p:sp>
+      <p:sp>
+        <p:nvSpPr>
+          <p:cNvPr id="12" name="직사각형 11"/>
+          <p:cNvSpPr/>
+          <p:nvPr/>
+        </p:nvSpPr>
+        <p:spPr>
+          <a:xfrm>
+            <a:off x="2036135" y="3441808"/>
+            <a:ext cx="7910623" cy="242373"/>
+          </a:xfrm>
+          <a:prstGeom prst="rect">
+            <a:avLst/>
+          </a:prstGeom>
+          <a:noFill/>
+          <a:ln w="19050">
+            <a:solidFill>
+              <a:srgbClr val="E7038B"/>
+            </a:solidFill>
+          </a:ln>
+        </p:spPr>
+        <p:style>
+          <a:lnRef idx="2">
+            <a:schemeClr val="accent1">
+              <a:shade val="50000"/>
+            </a:schemeClr>
+          </a:lnRef>
+          <a:fillRef idx="1">
+            <a:schemeClr val="accent1"/>
+          </a:fillRef>
+          <a:effectRef idx="0">
+            <a:schemeClr val="accent1"/>
+          </a:effectRef>
+          <a:fontRef idx="minor">
+            <a:schemeClr val="lt1"/>
+          </a:fontRef>
+        </p:style>
+        <p:txBody>
+          <a:bodyPr rtlCol="0" anchor="ctr"/>
+          <a:lstStyle/>
+          <a:p>
+            <a:pPr algn="ctr"/>
+            <a:endParaRPr lang="ko-KR" altLang="en-US"/>
+          </a:p>
+        </p:txBody>
+      </p:sp>
+      <p:sp>
+        <p:nvSpPr>
+          <p:cNvPr id="13" name="직사각형 12"/>
+          <p:cNvSpPr/>
+          <p:nvPr/>
+        </p:nvSpPr>
+        <p:spPr>
+          <a:xfrm>
+            <a:off x="2429540" y="3476714"/>
+            <a:ext cx="770860" cy="170253"/>
+          </a:xfrm>
+          <a:prstGeom prst="rect">
+            <a:avLst/>
+          </a:prstGeom>
+          <a:noFill/>
+          <a:ln w="19050">
+            <a:solidFill>
+              <a:srgbClr val="659CED"/>
+            </a:solidFill>
+          </a:ln>
+        </p:spPr>
+        <p:style>
+          <a:lnRef idx="2">
+            <a:schemeClr val="accent1">
+              <a:shade val="50000"/>
+            </a:schemeClr>
+          </a:lnRef>
+          <a:fillRef idx="1">
+            <a:schemeClr val="accent1"/>
+          </a:fillRef>
+          <a:effectRef idx="0">
+            <a:schemeClr val="accent1"/>
+          </a:effectRef>
+          <a:fontRef idx="minor">
+            <a:schemeClr val="lt1"/>
+          </a:fontRef>
+        </p:style>
+        <p:txBody>
+          <a:bodyPr rtlCol="0" anchor="ctr"/>
+          <a:lstStyle/>
+          <a:p>
+            <a:pPr algn="ctr"/>
+            <a:endParaRPr lang="ko-KR" altLang="en-US"/>
+          </a:p>
+        </p:txBody>
+      </p:sp>
+      <p:sp>
+        <p:nvSpPr>
+          <p:cNvPr id="14" name="직사각형 13"/>
+          <p:cNvSpPr/>
+          <p:nvPr/>
+        </p:nvSpPr>
+        <p:spPr>
+          <a:xfrm>
+            <a:off x="3200400" y="3476714"/>
+            <a:ext cx="802758" cy="170253"/>
+          </a:xfrm>
+          <a:prstGeom prst="rect">
+            <a:avLst/>
+          </a:prstGeom>
+          <a:noFill/>
+          <a:ln w="19050">
+            <a:solidFill>
+              <a:srgbClr val="659CED"/>
+            </a:solidFill>
+          </a:ln>
+        </p:spPr>
+        <p:style>
+          <a:lnRef idx="2">
+            <a:schemeClr val="accent1">
+              <a:shade val="50000"/>
+            </a:schemeClr>
+          </a:lnRef>
+          <a:fillRef idx="1">
+            <a:schemeClr val="accent1"/>
+          </a:fillRef>
+          <a:effectRef idx="0">
+            <a:schemeClr val="accent1"/>
+          </a:effectRef>
+          <a:fontRef idx="minor">
+            <a:schemeClr val="lt1"/>
+          </a:fontRef>
+        </p:style>
+        <p:txBody>
+          <a:bodyPr rtlCol="0" anchor="ctr"/>
+          <a:lstStyle/>
+          <a:p>
+            <a:pPr algn="ctr"/>
+            <a:endParaRPr lang="ko-KR" altLang="en-US"/>
+          </a:p>
+        </p:txBody>
+      </p:sp>
+      <p:sp>
+        <p:nvSpPr>
+          <p:cNvPr id="15" name="직사각형 14"/>
+          <p:cNvSpPr/>
+          <p:nvPr/>
+        </p:nvSpPr>
+        <p:spPr>
+          <a:xfrm>
+            <a:off x="4003158" y="3476714"/>
+            <a:ext cx="969436" cy="170253"/>
+          </a:xfrm>
+          <a:prstGeom prst="rect">
+            <a:avLst/>
+          </a:prstGeom>
+          <a:noFill/>
+          <a:ln w="19050">
+            <a:solidFill>
+              <a:srgbClr val="659CED"/>
+            </a:solidFill>
+          </a:ln>
+        </p:spPr>
+        <p:style>
+          <a:lnRef idx="2">
+            <a:schemeClr val="accent1">
+              <a:shade val="50000"/>
+            </a:schemeClr>
+          </a:lnRef>
+          <a:fillRef idx="1">
+            <a:schemeClr val="accent1"/>
+          </a:fillRef>
+          <a:effectRef idx="0">
+            <a:schemeClr val="accent1"/>
+          </a:effectRef>
+          <a:fontRef idx="minor">
+            <a:schemeClr val="lt1"/>
+          </a:fontRef>
+        </p:style>
+        <p:txBody>
+          <a:bodyPr rtlCol="0" anchor="ctr"/>
+          <a:lstStyle/>
+          <a:p>
+            <a:pPr algn="ctr"/>
+            <a:endParaRPr lang="ko-KR" altLang="en-US"/>
+          </a:p>
+        </p:txBody>
+      </p:sp>
+      <p:sp>
+        <p:nvSpPr>
+          <p:cNvPr id="16" name="직사각형 15"/>
+          <p:cNvSpPr/>
+          <p:nvPr/>
+        </p:nvSpPr>
+        <p:spPr>
+          <a:xfrm>
+            <a:off x="4972593" y="3476714"/>
+            <a:ext cx="988323" cy="170253"/>
+          </a:xfrm>
+          <a:prstGeom prst="rect">
+            <a:avLst/>
+          </a:prstGeom>
+          <a:noFill/>
+          <a:ln w="19050">
+            <a:solidFill>
+              <a:srgbClr val="659CED"/>
+            </a:solidFill>
+          </a:ln>
+        </p:spPr>
+        <p:style>
+          <a:lnRef idx="2">
+            <a:schemeClr val="accent1">
+              <a:shade val="50000"/>
+            </a:schemeClr>
+          </a:lnRef>
+          <a:fillRef idx="1">
+            <a:schemeClr val="accent1"/>
+          </a:fillRef>
+          <a:effectRef idx="0">
+            <a:schemeClr val="accent1"/>
+          </a:effectRef>
+          <a:fontRef idx="minor">
+            <a:schemeClr val="lt1"/>
+          </a:fontRef>
+        </p:style>
+        <p:txBody>
+          <a:bodyPr rtlCol="0" anchor="ctr"/>
+          <a:lstStyle/>
+          <a:p>
+            <a:pPr algn="ctr"/>
+            <a:endParaRPr lang="ko-KR" altLang="en-US"/>
+          </a:p>
+        </p:txBody>
+      </p:sp>
+      <p:sp>
+        <p:nvSpPr>
+          <p:cNvPr id="17" name="직사각형 16"/>
+          <p:cNvSpPr/>
+          <p:nvPr/>
+        </p:nvSpPr>
+        <p:spPr>
+          <a:xfrm>
+            <a:off x="5960916" y="3476714"/>
+            <a:ext cx="716331" cy="170253"/>
+          </a:xfrm>
+          <a:prstGeom prst="rect">
+            <a:avLst/>
+          </a:prstGeom>
+          <a:noFill/>
+          <a:ln w="19050">
+            <a:solidFill>
+              <a:srgbClr val="659CED"/>
+            </a:solidFill>
+          </a:ln>
+        </p:spPr>
+        <p:style>
+          <a:lnRef idx="2">
+            <a:schemeClr val="accent1">
+              <a:shade val="50000"/>
+            </a:schemeClr>
+          </a:lnRef>
+          <a:fillRef idx="1">
+            <a:schemeClr val="accent1"/>
+          </a:fillRef>
+          <a:effectRef idx="0">
+            <a:schemeClr val="accent1"/>
+          </a:effectRef>
+          <a:fontRef idx="minor">
+            <a:schemeClr val="lt1"/>
+          </a:fontRef>
+        </p:style>
+        <p:txBody>
+          <a:bodyPr rtlCol="0" anchor="ctr"/>
+          <a:lstStyle/>
+          <a:p>
+            <a:pPr algn="ctr"/>
+            <a:endParaRPr lang="ko-KR" altLang="en-US"/>
+          </a:p>
+        </p:txBody>
+      </p:sp>
+      <p:sp>
+        <p:nvSpPr>
+          <p:cNvPr id="18" name="직사각형 17"/>
+          <p:cNvSpPr/>
+          <p:nvPr/>
+        </p:nvSpPr>
+        <p:spPr>
+          <a:xfrm>
+            <a:off x="6677247" y="3476714"/>
+            <a:ext cx="563525" cy="170253"/>
+          </a:xfrm>
+          <a:prstGeom prst="rect">
+            <a:avLst/>
+          </a:prstGeom>
+          <a:noFill/>
+          <a:ln w="19050">
+            <a:solidFill>
+              <a:srgbClr val="659CED"/>
+            </a:solidFill>
+          </a:ln>
+        </p:spPr>
+        <p:style>
+          <a:lnRef idx="2">
+            <a:schemeClr val="accent1">
+              <a:shade val="50000"/>
+            </a:schemeClr>
+          </a:lnRef>
+          <a:fillRef idx="1">
+            <a:schemeClr val="accent1"/>
+          </a:fillRef>
+          <a:effectRef idx="0">
+            <a:schemeClr val="accent1"/>
+          </a:effectRef>
+          <a:fontRef idx="minor">
+            <a:schemeClr val="lt1"/>
+          </a:fontRef>
+        </p:style>
+        <p:txBody>
+          <a:bodyPr rtlCol="0" anchor="ctr"/>
+          <a:lstStyle/>
+          <a:p>
+            <a:pPr algn="ctr"/>
+            <a:endParaRPr lang="ko-KR" altLang="en-US"/>
+          </a:p>
+        </p:txBody>
+      </p:sp>
+      <p:sp>
+        <p:nvSpPr>
+          <p:cNvPr id="19" name="직사각형 18"/>
+          <p:cNvSpPr/>
+          <p:nvPr/>
+        </p:nvSpPr>
+        <p:spPr>
+          <a:xfrm>
+            <a:off x="7240772" y="3476714"/>
+            <a:ext cx="2636875" cy="170253"/>
+          </a:xfrm>
+          <a:prstGeom prst="rect">
+            <a:avLst/>
+          </a:prstGeom>
+          <a:noFill/>
+          <a:ln w="19050">
+            <a:solidFill>
+              <a:srgbClr val="659CED"/>
+            </a:solidFill>
+          </a:ln>
+        </p:spPr>
+        <p:style>
+          <a:lnRef idx="2">
+            <a:schemeClr val="accent1">
+              <a:shade val="50000"/>
+            </a:schemeClr>
+          </a:lnRef>
+          <a:fillRef idx="1">
+            <a:schemeClr val="accent1"/>
+          </a:fillRef>
+          <a:effectRef idx="0">
+            <a:schemeClr val="accent1"/>
+          </a:effectRef>
+          <a:fontRef idx="minor">
+            <a:schemeClr val="lt1"/>
+          </a:fontRef>
+        </p:style>
+        <p:txBody>
+          <a:bodyPr rtlCol="0" anchor="ctr"/>
+          <a:lstStyle/>
+          <a:p>
+            <a:pPr algn="ctr"/>
+            <a:endParaRPr lang="ko-KR" altLang="en-US"/>
+          </a:p>
+        </p:txBody>
+      </p:sp>
+      <p:sp>
+        <p:nvSpPr>
+          <p:cNvPr id="20" name="직사각형 19"/>
+          <p:cNvSpPr/>
+          <p:nvPr/>
+        </p:nvSpPr>
+        <p:spPr>
+          <a:xfrm>
+            <a:off x="4085011" y="3713350"/>
+            <a:ext cx="4043580" cy="170253"/>
+          </a:xfrm>
+          <a:prstGeom prst="rect">
+            <a:avLst/>
+          </a:prstGeom>
+          <a:noFill/>
+          <a:ln w="19050">
+            <a:solidFill>
+              <a:srgbClr val="659CED"/>
+            </a:solidFill>
+          </a:ln>
+        </p:spPr>
+        <p:style>
+          <a:lnRef idx="2">
+            <a:schemeClr val="accent1">
+              <a:shade val="50000"/>
+            </a:schemeClr>
+          </a:lnRef>
+          <a:fillRef idx="1">
+            <a:schemeClr val="accent1"/>
+          </a:fillRef>
+          <a:effectRef idx="0">
+            <a:schemeClr val="accent1"/>
+          </a:effectRef>
+          <a:fontRef idx="minor">
+            <a:schemeClr val="lt1"/>
+          </a:fontRef>
+        </p:style>
+        <p:txBody>
+          <a:bodyPr rtlCol="0" anchor="ctr"/>
+          <a:lstStyle/>
+          <a:p>
+            <a:pPr algn="ctr"/>
+            <a:endParaRPr lang="ko-KR" altLang="en-US"/>
+          </a:p>
+        </p:txBody>
+      </p:sp>
+      <p:sp>
+        <p:nvSpPr>
+          <p:cNvPr id="21" name="직사각형 20"/>
+          <p:cNvSpPr/>
+          <p:nvPr/>
+        </p:nvSpPr>
+        <p:spPr>
+          <a:xfrm>
+            <a:off x="4085011" y="3920501"/>
+            <a:ext cx="4043580" cy="375052"/>
+          </a:xfrm>
+          <a:prstGeom prst="rect">
+            <a:avLst/>
+          </a:prstGeom>
+          <a:noFill/>
+          <a:ln w="19050">
+            <a:solidFill>
+              <a:srgbClr val="E7038B"/>
+            </a:solidFill>
+          </a:ln>
+        </p:spPr>
+        <p:style>
+          <a:lnRef idx="2">
+            <a:schemeClr val="accent1">
+              <a:shade val="50000"/>
+            </a:schemeClr>
+          </a:lnRef>
+          <a:fillRef idx="1">
+            <a:schemeClr val="accent1"/>
+          </a:fillRef>
+          <a:effectRef idx="0">
+            <a:schemeClr val="accent1"/>
+          </a:effectRef>
+          <a:fontRef idx="minor">
+            <a:schemeClr val="lt1"/>
+          </a:fontRef>
+        </p:style>
+        <p:txBody>
+          <a:bodyPr rtlCol="0" anchor="ctr"/>
+          <a:lstStyle/>
+          <a:p>
+            <a:pPr algn="ctr"/>
+            <a:endParaRPr lang="ko-KR" altLang="en-US"/>
+          </a:p>
+        </p:txBody>
+      </p:sp>
+      <p:sp>
+        <p:nvSpPr>
+          <p:cNvPr id="22" name="직사각형 21"/>
+          <p:cNvSpPr/>
+          <p:nvPr/>
+        </p:nvSpPr>
+        <p:spPr>
+          <a:xfrm>
+            <a:off x="4484593" y="3957399"/>
+            <a:ext cx="2591374" cy="178666"/>
+          </a:xfrm>
+          <a:prstGeom prst="rect">
+            <a:avLst/>
+          </a:prstGeom>
+          <a:noFill/>
+          <a:ln w="19050">
+            <a:solidFill>
+              <a:srgbClr val="659CED"/>
+            </a:solidFill>
+          </a:ln>
+        </p:spPr>
+        <p:style>
+          <a:lnRef idx="2">
+            <a:schemeClr val="accent1">
+              <a:shade val="50000"/>
+            </a:schemeClr>
+          </a:lnRef>
+          <a:fillRef idx="1">
+            <a:schemeClr val="accent1"/>
+          </a:fillRef>
+          <a:effectRef idx="0">
+            <a:schemeClr val="accent1"/>
+          </a:effectRef>
+          <a:fontRef idx="minor">
+            <a:schemeClr val="lt1"/>
+          </a:fontRef>
+        </p:style>
+        <p:txBody>
+          <a:bodyPr rtlCol="0" anchor="ctr"/>
+          <a:lstStyle/>
+          <a:p>
+            <a:pPr algn="ctr"/>
+            <a:endParaRPr lang="ko-KR" altLang="en-US"/>
+          </a:p>
+        </p:txBody>
+      </p:sp>
+      <p:sp>
+        <p:nvSpPr>
+          <p:cNvPr id="23" name="직사각형 22"/>
+          <p:cNvSpPr/>
+          <p:nvPr/>
+        </p:nvSpPr>
+        <p:spPr>
+          <a:xfrm>
+            <a:off x="7154343" y="3957398"/>
+            <a:ext cx="447936" cy="279675"/>
+          </a:xfrm>
+          <a:prstGeom prst="rect">
+            <a:avLst/>
+          </a:prstGeom>
+          <a:noFill/>
+          <a:ln w="19050">
+            <a:solidFill>
+              <a:srgbClr val="659CED"/>
+            </a:solidFill>
+          </a:ln>
+        </p:spPr>
+        <p:style>
+          <a:lnRef idx="2">
+            <a:schemeClr val="accent1">
+              <a:shade val="50000"/>
+            </a:schemeClr>
+          </a:lnRef>
+          <a:fillRef idx="1">
+            <a:schemeClr val="accent1"/>
+          </a:fillRef>
+          <a:effectRef idx="0">
+            <a:schemeClr val="accent1"/>
+          </a:effectRef>
+          <a:fontRef idx="minor">
+            <a:schemeClr val="lt1"/>
+          </a:fontRef>
+        </p:style>
+        <p:txBody>
+          <a:bodyPr rtlCol="0" anchor="ctr"/>
+          <a:lstStyle/>
+          <a:p>
+            <a:pPr algn="ctr"/>
+            <a:endParaRPr lang="ko-KR" altLang="en-US"/>
+          </a:p>
+        </p:txBody>
+      </p:sp>
     </p:spTree>
     <p:extLst>
       <p:ext uri="{BB962C8B-B14F-4D97-AF65-F5344CB8AC3E}">
@@ -14706,15 +16302,7 @@
                   <a:srgbClr val="AE0268"/>
                 </a:solidFill>
               </a:rPr>
-              <a:t>Section-</a:t>
-            </a:r>
-            <a:r>
-              <a:rPr lang="en-US" altLang="ko-KR" sz="1400" b="1" dirty="0" smtClean="0">
-                <a:solidFill>
-                  <a:srgbClr val="AE0268"/>
-                </a:solidFill>
-              </a:rPr>
-              <a:t>body</a:t>
+              <a:t>Section-body</a:t>
             </a:r>
             <a:endParaRPr lang="ko-KR" altLang="en-US" sz="1400" b="1" dirty="0">
               <a:solidFill>
@@ -15156,15 +16744,7 @@
                   <a:srgbClr val="AE0268"/>
                 </a:solidFill>
               </a:rPr>
-              <a:t>Section-</a:t>
-            </a:r>
-            <a:r>
-              <a:rPr lang="en-US" altLang="ko-KR" sz="1400" b="1" dirty="0" smtClean="0">
-                <a:solidFill>
-                  <a:srgbClr val="AE0268"/>
-                </a:solidFill>
-              </a:rPr>
-              <a:t>body</a:t>
+              <a:t>Section-body</a:t>
             </a:r>
             <a:endParaRPr lang="ko-KR" altLang="en-US" sz="1400" b="1" dirty="0">
               <a:solidFill>
